--- a/GetAJob/포트폴리오_주완.pptx
+++ b/GetAJob/포트폴리오_주완.pptx
@@ -244,7 +244,7 @@
           <a:p>
             <a:fld id="{83C8A859-9B59-4D9F-ABE9-A236A41B38ED}" type="datetimeFigureOut">
               <a:rPr lang="ko-KR" altLang="en-US" smtClean="0"/>
-              <a:t>2025-04-03</a:t>
+              <a:t>2025-04-05</a:t>
             </a:fld>
             <a:endParaRPr lang="ko-KR" altLang="en-US"/>
           </a:p>
@@ -414,7 +414,7 @@
           <a:p>
             <a:fld id="{83C8A859-9B59-4D9F-ABE9-A236A41B38ED}" type="datetimeFigureOut">
               <a:rPr lang="ko-KR" altLang="en-US" smtClean="0"/>
-              <a:t>2025-04-03</a:t>
+              <a:t>2025-04-05</a:t>
             </a:fld>
             <a:endParaRPr lang="ko-KR" altLang="en-US"/>
           </a:p>
@@ -594,7 +594,7 @@
           <a:p>
             <a:fld id="{83C8A859-9B59-4D9F-ABE9-A236A41B38ED}" type="datetimeFigureOut">
               <a:rPr lang="ko-KR" altLang="en-US" smtClean="0"/>
-              <a:t>2025-04-03</a:t>
+              <a:t>2025-04-05</a:t>
             </a:fld>
             <a:endParaRPr lang="ko-KR" altLang="en-US"/>
           </a:p>
@@ -764,7 +764,7 @@
           <a:p>
             <a:fld id="{83C8A859-9B59-4D9F-ABE9-A236A41B38ED}" type="datetimeFigureOut">
               <a:rPr lang="ko-KR" altLang="en-US" smtClean="0"/>
-              <a:t>2025-04-03</a:t>
+              <a:t>2025-04-05</a:t>
             </a:fld>
             <a:endParaRPr lang="ko-KR" altLang="en-US"/>
           </a:p>
@@ -1010,7 +1010,7 @@
           <a:p>
             <a:fld id="{83C8A859-9B59-4D9F-ABE9-A236A41B38ED}" type="datetimeFigureOut">
               <a:rPr lang="ko-KR" altLang="en-US" smtClean="0"/>
-              <a:t>2025-04-03</a:t>
+              <a:t>2025-04-05</a:t>
             </a:fld>
             <a:endParaRPr lang="ko-KR" altLang="en-US"/>
           </a:p>
@@ -1242,7 +1242,7 @@
           <a:p>
             <a:fld id="{83C8A859-9B59-4D9F-ABE9-A236A41B38ED}" type="datetimeFigureOut">
               <a:rPr lang="ko-KR" altLang="en-US" smtClean="0"/>
-              <a:t>2025-04-03</a:t>
+              <a:t>2025-04-05</a:t>
             </a:fld>
             <a:endParaRPr lang="ko-KR" altLang="en-US"/>
           </a:p>
@@ -1609,7 +1609,7 @@
           <a:p>
             <a:fld id="{83C8A859-9B59-4D9F-ABE9-A236A41B38ED}" type="datetimeFigureOut">
               <a:rPr lang="ko-KR" altLang="en-US" smtClean="0"/>
-              <a:t>2025-04-03</a:t>
+              <a:t>2025-04-05</a:t>
             </a:fld>
             <a:endParaRPr lang="ko-KR" altLang="en-US"/>
           </a:p>
@@ -1727,7 +1727,7 @@
           <a:p>
             <a:fld id="{83C8A859-9B59-4D9F-ABE9-A236A41B38ED}" type="datetimeFigureOut">
               <a:rPr lang="ko-KR" altLang="en-US" smtClean="0"/>
-              <a:t>2025-04-03</a:t>
+              <a:t>2025-04-05</a:t>
             </a:fld>
             <a:endParaRPr lang="ko-KR" altLang="en-US"/>
           </a:p>
@@ -1822,7 +1822,7 @@
           <a:p>
             <a:fld id="{83C8A859-9B59-4D9F-ABE9-A236A41B38ED}" type="datetimeFigureOut">
               <a:rPr lang="ko-KR" altLang="en-US" smtClean="0"/>
-              <a:t>2025-04-03</a:t>
+              <a:t>2025-04-05</a:t>
             </a:fld>
             <a:endParaRPr lang="ko-KR" altLang="en-US"/>
           </a:p>
@@ -2099,7 +2099,7 @@
           <a:p>
             <a:fld id="{83C8A859-9B59-4D9F-ABE9-A236A41B38ED}" type="datetimeFigureOut">
               <a:rPr lang="ko-KR" altLang="en-US" smtClean="0"/>
-              <a:t>2025-04-03</a:t>
+              <a:t>2025-04-05</a:t>
             </a:fld>
             <a:endParaRPr lang="ko-KR" altLang="en-US"/>
           </a:p>
@@ -2352,7 +2352,7 @@
           <a:p>
             <a:fld id="{83C8A859-9B59-4D9F-ABE9-A236A41B38ED}" type="datetimeFigureOut">
               <a:rPr lang="ko-KR" altLang="en-US" smtClean="0"/>
-              <a:t>2025-04-03</a:t>
+              <a:t>2025-04-05</a:t>
             </a:fld>
             <a:endParaRPr lang="ko-KR" altLang="en-US"/>
           </a:p>
@@ -2576,7 +2576,7 @@
           <a:p>
             <a:fld id="{83C8A859-9B59-4D9F-ABE9-A236A41B38ED}" type="datetimeFigureOut">
               <a:rPr lang="ko-KR" altLang="en-US" smtClean="0"/>
-              <a:t>2025-04-03</a:t>
+              <a:t>2025-04-05</a:t>
             </a:fld>
             <a:endParaRPr lang="ko-KR" altLang="en-US"/>
           </a:p>
@@ -3690,14 +3690,14 @@
           <p:nvPr>
             <p:extLst>
               <p:ext uri="{D42A27DB-BD31-4B8C-83A1-F6EECF244321}">
-                <p14:modId xmlns:p14="http://schemas.microsoft.com/office/powerpoint/2010/main" val="3291261440"/>
+                <p14:modId xmlns:p14="http://schemas.microsoft.com/office/powerpoint/2010/main" val="727178897"/>
               </p:ext>
             </p:extLst>
           </p:nvPr>
         </p:nvGraphicFramePr>
         <p:xfrm>
           <a:off x="576197" y="1283338"/>
-          <a:ext cx="10697228" cy="3048000"/>
+          <a:ext cx="10697228" cy="3256280"/>
         </p:xfrm>
         <a:graphic>
           <a:graphicData uri="http://schemas.openxmlformats.org/drawingml/2006/table">
@@ -3804,7 +3804,7 @@
                     <a:bodyPr/>
                     <a:lstStyle/>
                     <a:p>
-                      <a:pPr algn="l" latinLnBrk="1"/>
+                      <a:pPr algn="ctr" latinLnBrk="1"/>
                       <a:r>
                         <a:rPr lang="ko-KR" altLang="en-US" sz="1600" dirty="0" smtClean="0">
                           <a:latin typeface="Noto Sans KR" panose="020B0200000000000000" pitchFamily="50" charset="-127"/>
@@ -3827,7 +3827,7 @@
                 </a:extLst>
               </a:tr>
               <a:tr h="370840">
-                <a:tc>
+                <a:tc rowSpan="3">
                   <a:txBody>
                     <a:bodyPr/>
                     <a:lstStyle/>
@@ -3848,7 +3848,7 @@
                   </a:txBody>
                   <a:tcPr anchor="ctr"/>
                 </a:tc>
-                <a:tc>
+                <a:tc rowSpan="3">
                   <a:txBody>
                     <a:bodyPr/>
                     <a:lstStyle/>
@@ -3931,7 +3931,7 @@
                         <a:t>학년</a:t>
                       </a:r>
                       <a:r>
-                        <a:rPr lang="en-US" altLang="ko-KR" sz="1600" b="0" i="0" kern="1200" smtClean="0">
+                        <a:rPr lang="en-US" altLang="ko-KR" sz="1600" b="0" i="0" kern="1200" dirty="0" smtClean="0">
                           <a:solidFill>
                             <a:schemeClr val="dk1"/>
                           </a:solidFill>
@@ -3941,6 +3941,42 @@
                           <a:cs typeface="+mn-cs"/>
                         </a:rPr>
                         <a:t>:  </a:t>
+                      </a:r>
+                      <a:r>
+                        <a:rPr lang="ko-KR" altLang="en-US" sz="1600" b="0" i="0" kern="1200" dirty="0" smtClean="0">
+                          <a:solidFill>
+                            <a:schemeClr val="dk1"/>
+                          </a:solidFill>
+                          <a:effectLst/>
+                          <a:latin typeface="Noto Sans KR" panose="020B0200000000000000" pitchFamily="50" charset="-127"/>
+                          <a:ea typeface="Noto Sans KR" panose="020B0200000000000000" pitchFamily="50" charset="-127"/>
+                          <a:cs typeface="+mn-cs"/>
+                        </a:rPr>
+                        <a:t>컴퓨터 프로그래밍</a:t>
+                      </a:r>
+                      <a:r>
+                        <a:rPr lang="en-US" altLang="ko-KR" sz="1600" b="0" i="0" kern="1200" dirty="0" smtClean="0">
+                          <a:solidFill>
+                            <a:schemeClr val="dk1"/>
+                          </a:solidFill>
+                          <a:effectLst/>
+                          <a:latin typeface="Noto Sans KR" panose="020B0200000000000000" pitchFamily="50" charset="-127"/>
+                          <a:ea typeface="Noto Sans KR" panose="020B0200000000000000" pitchFamily="50" charset="-127"/>
+                          <a:cs typeface="+mn-cs"/>
+                        </a:rPr>
+                        <a:t>, </a:t>
+                      </a:r>
+                      <a:r>
+                        <a:rPr lang="ko-KR" altLang="en-US" sz="1600" b="0" i="0" kern="1200" dirty="0" smtClean="0">
+                          <a:solidFill>
+                            <a:schemeClr val="dk1"/>
+                          </a:solidFill>
+                          <a:effectLst/>
+                          <a:latin typeface="Noto Sans KR" panose="020B0200000000000000" pitchFamily="50" charset="-127"/>
+                          <a:ea typeface="Noto Sans KR" panose="020B0200000000000000" pitchFamily="50" charset="-127"/>
+                          <a:cs typeface="+mn-cs"/>
+                        </a:rPr>
+                        <a:t>컴퓨터 논리 개론</a:t>
                       </a:r>
                       <a:endParaRPr lang="en-US" altLang="ko-KR" sz="1600" b="0" i="0" kern="1200" dirty="0" smtClean="0">
                         <a:solidFill>
@@ -4006,6 +4042,51 @@
                         </a:rPr>
                         <a:t>: </a:t>
                       </a:r>
+                      <a:r>
+                        <a:rPr lang="ko-KR" altLang="en-US" sz="1600" b="0" i="0" kern="1200" dirty="0" smtClean="0">
+                          <a:solidFill>
+                            <a:schemeClr val="dk1"/>
+                          </a:solidFill>
+                          <a:effectLst/>
+                          <a:latin typeface="Noto Sans KR" panose="020B0200000000000000" pitchFamily="50" charset="-127"/>
+                          <a:ea typeface="Noto Sans KR" panose="020B0200000000000000" pitchFamily="50" charset="-127"/>
+                          <a:cs typeface="+mn-cs"/>
+                        </a:rPr>
+                        <a:t>자료 구조</a:t>
+                      </a:r>
+                      <a:r>
+                        <a:rPr lang="en-US" altLang="ko-KR" sz="1600" b="0" i="0" kern="1200" dirty="0" smtClean="0">
+                          <a:solidFill>
+                            <a:schemeClr val="dk1"/>
+                          </a:solidFill>
+                          <a:effectLst/>
+                          <a:latin typeface="Noto Sans KR" panose="020B0200000000000000" pitchFamily="50" charset="-127"/>
+                          <a:ea typeface="Noto Sans KR" panose="020B0200000000000000" pitchFamily="50" charset="-127"/>
+                          <a:cs typeface="+mn-cs"/>
+                        </a:rPr>
+                        <a:t>, </a:t>
+                      </a:r>
+                      <a:r>
+                        <a:rPr lang="ko-KR" altLang="en-US" sz="1600" b="0" i="0" kern="1200" dirty="0" smtClean="0">
+                          <a:solidFill>
+                            <a:schemeClr val="dk1"/>
+                          </a:solidFill>
+                          <a:effectLst/>
+                          <a:latin typeface="Noto Sans KR" panose="020B0200000000000000" pitchFamily="50" charset="-127"/>
+                          <a:ea typeface="Noto Sans KR" panose="020B0200000000000000" pitchFamily="50" charset="-127"/>
+                          <a:cs typeface="+mn-cs"/>
+                        </a:rPr>
+                        <a:t>알고리즘</a:t>
+                      </a:r>
+                      <a:endParaRPr lang="en-US" altLang="ko-KR" sz="1600" b="0" i="0" kern="1200" dirty="0" smtClean="0">
+                        <a:solidFill>
+                          <a:schemeClr val="dk1"/>
+                        </a:solidFill>
+                        <a:effectLst/>
+                        <a:latin typeface="Noto Sans KR" panose="020B0200000000000000" pitchFamily="50" charset="-127"/>
+                        <a:ea typeface="Noto Sans KR" panose="020B0200000000000000" pitchFamily="50" charset="-127"/>
+                        <a:cs typeface="+mn-cs"/>
+                      </a:endParaRPr>
                     </a:p>
                     <a:p>
                       <a:pPr marL="0" marR="0" indent="0" algn="l" defTabSz="914400" rtl="0" eaLnBrk="1" fontAlgn="auto" latinLnBrk="1" hangingPunct="1">
@@ -4061,6 +4142,51 @@
                         </a:rPr>
                         <a:t>: </a:t>
                       </a:r>
+                      <a:r>
+                        <a:rPr lang="ko-KR" altLang="en-US" sz="1600" b="0" i="0" kern="1200" dirty="0" smtClean="0">
+                          <a:solidFill>
+                            <a:schemeClr val="dk1"/>
+                          </a:solidFill>
+                          <a:effectLst/>
+                          <a:latin typeface="Noto Sans KR" panose="020B0200000000000000" pitchFamily="50" charset="-127"/>
+                          <a:ea typeface="Noto Sans KR" panose="020B0200000000000000" pitchFamily="50" charset="-127"/>
+                          <a:cs typeface="+mn-cs"/>
+                        </a:rPr>
+                        <a:t>소프트웨어공학</a:t>
+                      </a:r>
+                      <a:r>
+                        <a:rPr lang="en-US" altLang="ko-KR" sz="1600" b="0" i="0" kern="1200" dirty="0" smtClean="0">
+                          <a:solidFill>
+                            <a:schemeClr val="dk1"/>
+                          </a:solidFill>
+                          <a:effectLst/>
+                          <a:latin typeface="Noto Sans KR" panose="020B0200000000000000" pitchFamily="50" charset="-127"/>
+                          <a:ea typeface="Noto Sans KR" panose="020B0200000000000000" pitchFamily="50" charset="-127"/>
+                          <a:cs typeface="+mn-cs"/>
+                        </a:rPr>
+                        <a:t>, </a:t>
+                      </a:r>
+                      <a:r>
+                        <a:rPr lang="ko-KR" altLang="en-US" sz="1600" b="0" i="0" kern="1200" dirty="0" smtClean="0">
+                          <a:solidFill>
+                            <a:schemeClr val="dk1"/>
+                          </a:solidFill>
+                          <a:effectLst/>
+                          <a:latin typeface="Noto Sans KR" panose="020B0200000000000000" pitchFamily="50" charset="-127"/>
+                          <a:ea typeface="Noto Sans KR" panose="020B0200000000000000" pitchFamily="50" charset="-127"/>
+                          <a:cs typeface="+mn-cs"/>
+                        </a:rPr>
+                        <a:t>종합설계</a:t>
+                      </a:r>
+                      <a:endParaRPr lang="en-US" altLang="ko-KR" sz="1600" b="0" i="0" kern="1200" dirty="0" smtClean="0">
+                        <a:solidFill>
+                          <a:schemeClr val="dk1"/>
+                        </a:solidFill>
+                        <a:effectLst/>
+                        <a:latin typeface="Noto Sans KR" panose="020B0200000000000000" pitchFamily="50" charset="-127"/>
+                        <a:ea typeface="Noto Sans KR" panose="020B0200000000000000" pitchFamily="50" charset="-127"/>
+                        <a:cs typeface="+mn-cs"/>
+                      </a:endParaRPr>
                     </a:p>
                   </a:txBody>
                   <a:tcPr anchor="ctr"/>
@@ -4072,7 +4198,105 @@
                 </a:extLst>
               </a:tr>
               <a:tr h="370840">
+                <a:tc vMerge="1">
+                  <a:txBody>
+                    <a:bodyPr/>
+                    <a:lstStyle/>
+                    <a:p>
+                      <a:pPr algn="ctr" latinLnBrk="1"/>
+                      <a:endParaRPr lang="ko-KR" altLang="en-US" sz="1600" dirty="0">
+                        <a:latin typeface="Noto Sans KR" panose="020B0200000000000000" pitchFamily="50" charset="-127"/>
+                        <a:ea typeface="Noto Sans KR" panose="020B0200000000000000" pitchFamily="50" charset="-127"/>
+                      </a:endParaRPr>
+                    </a:p>
+                  </a:txBody>
+                  <a:tcPr anchor="ctr"/>
+                </a:tc>
+                <a:tc vMerge="1">
+                  <a:txBody>
+                    <a:bodyPr/>
+                    <a:lstStyle/>
+                    <a:p>
+                      <a:pPr algn="ctr" latinLnBrk="1"/>
+                      <a:endParaRPr lang="ko-KR" altLang="en-US" sz="1600" dirty="0">
+                        <a:latin typeface="Noto Sans KR" panose="020B0200000000000000" pitchFamily="50" charset="-127"/>
+                        <a:ea typeface="Noto Sans KR" panose="020B0200000000000000" pitchFamily="50" charset="-127"/>
+                      </a:endParaRPr>
+                    </a:p>
+                  </a:txBody>
+                  <a:tcPr anchor="ctr"/>
+                </a:tc>
                 <a:tc>
+                  <a:txBody>
+                    <a:bodyPr/>
+                    <a:lstStyle/>
+                    <a:p>
+                      <a:pPr algn="ctr"/>
+                      <a:r>
+                        <a:rPr lang="ko-KR" altLang="en-US" sz="1600" dirty="0" smtClean="0">
+                          <a:latin typeface="Noto Sans KR" panose="020B0200000000000000" pitchFamily="50" charset="-127"/>
+                          <a:ea typeface="Noto Sans KR" panose="020B0200000000000000" pitchFamily="50" charset="-127"/>
+                        </a:rPr>
+                        <a:t>언어</a:t>
+                      </a:r>
+                      <a:endParaRPr lang="ko-KR" altLang="en-US" sz="1600" dirty="0">
+                        <a:latin typeface="Noto Sans KR" panose="020B0200000000000000" pitchFamily="50" charset="-127"/>
+                        <a:ea typeface="Noto Sans KR" panose="020B0200000000000000" pitchFamily="50" charset="-127"/>
+                      </a:endParaRPr>
+                    </a:p>
+                  </a:txBody>
+                  <a:tcPr anchor="ctr"/>
+                </a:tc>
+                <a:tc>
+                  <a:txBody>
+                    <a:bodyPr/>
+                    <a:lstStyle/>
+                    <a:p>
+                      <a:pPr algn="ctr"/>
+                      <a:r>
+                        <a:rPr lang="en-US" altLang="ko-KR" sz="1600" dirty="0" smtClean="0">
+                          <a:latin typeface="Noto Sans KR" panose="020B0200000000000000" pitchFamily="50" charset="-127"/>
+                          <a:ea typeface="Noto Sans KR" panose="020B0200000000000000" pitchFamily="50" charset="-127"/>
+                        </a:rPr>
+                        <a:t>C,</a:t>
+                      </a:r>
+                      <a:r>
+                        <a:rPr lang="en-US" altLang="ko-KR" sz="1600" baseline="0" dirty="0" smtClean="0">
+                          <a:latin typeface="Noto Sans KR" panose="020B0200000000000000" pitchFamily="50" charset="-127"/>
+                          <a:ea typeface="Noto Sans KR" panose="020B0200000000000000" pitchFamily="50" charset="-127"/>
+                        </a:rPr>
+                        <a:t> C++, Python</a:t>
+                      </a:r>
+                      <a:endParaRPr lang="ko-KR" altLang="en-US" sz="1600" dirty="0">
+                        <a:latin typeface="Noto Sans KR" panose="020B0200000000000000" pitchFamily="50" charset="-127"/>
+                        <a:ea typeface="Noto Sans KR" panose="020B0200000000000000" pitchFamily="50" charset="-127"/>
+                      </a:endParaRPr>
+                    </a:p>
+                  </a:txBody>
+                  <a:tcPr anchor="ctr"/>
+                </a:tc>
+                <a:extLst>
+                  <a:ext uri="{0D108BD9-81ED-4DB2-BD59-A6C34878D82A}">
+                    <a16:rowId xmlns:a16="http://schemas.microsoft.com/office/drawing/2014/main" val="1025450118"/>
+                  </a:ext>
+                </a:extLst>
+              </a:tr>
+              <a:tr h="370840">
+                <a:tc vMerge="1">
+                  <a:txBody>
+                    <a:bodyPr/>
+                    <a:lstStyle/>
+                    <a:p>
+                      <a:pPr algn="ctr" latinLnBrk="1"/>
+                      <a:endParaRPr lang="ko-KR" altLang="en-US" sz="1600" dirty="0">
+                        <a:latin typeface="Noto Sans KR" panose="020B0200000000000000" pitchFamily="50" charset="-127"/>
+                        <a:ea typeface="Noto Sans KR" panose="020B0200000000000000" pitchFamily="50" charset="-127"/>
+                      </a:endParaRPr>
+                    </a:p>
+                  </a:txBody>
+                  <a:tcPr anchor="ctr"/>
+                </a:tc>
+                <a:tc vMerge="1">
                   <a:txBody>
                     <a:bodyPr/>
                     <a:lstStyle/>
@@ -4092,6 +4316,13 @@
                     <a:lstStyle/>
                     <a:p>
                       <a:pPr algn="ctr" latinLnBrk="1"/>
+                      <a:r>
+                        <a:rPr lang="ko-KR" altLang="en-US" sz="1600" dirty="0" smtClean="0">
+                          <a:latin typeface="Noto Sans KR" panose="020B0200000000000000" pitchFamily="50" charset="-127"/>
+                          <a:ea typeface="Noto Sans KR" panose="020B0200000000000000" pitchFamily="50" charset="-127"/>
+                        </a:rPr>
+                        <a:t>프로젝트</a:t>
+                      </a:r>
                       <a:endParaRPr lang="ko-KR" altLang="en-US" sz="1600" dirty="0">
                         <a:latin typeface="Noto Sans KR" panose="020B0200000000000000" pitchFamily="50" charset="-127"/>
                         <a:ea typeface="Noto Sans KR" panose="020B0200000000000000" pitchFamily="50" charset="-127"/>
@@ -4111,92 +4342,8 @@
                           <a:latin typeface="Noto Sans KR" panose="020B0200000000000000" pitchFamily="50" charset="-127"/>
                           <a:ea typeface="Noto Sans KR" panose="020B0200000000000000" pitchFamily="50" charset="-127"/>
                         </a:rPr>
-                        <a:t>프로젝트</a:t>
-                      </a:r>
-                      <a:endParaRPr lang="ko-KR" altLang="en-US" sz="1600" dirty="0">
-                        <a:latin typeface="Noto Sans KR" panose="020B0200000000000000" pitchFamily="50" charset="-127"/>
-                        <a:ea typeface="Noto Sans KR" panose="020B0200000000000000" pitchFamily="50" charset="-127"/>
-                      </a:endParaRPr>
-                    </a:p>
-                  </a:txBody>
-                  <a:tcPr anchor="ctr"/>
-                </a:tc>
-                <a:tc>
-                  <a:txBody>
-                    <a:bodyPr/>
-                    <a:lstStyle/>
-                    <a:p>
-                      <a:pPr algn="ctr" latinLnBrk="1"/>
-                      <a:r>
-                        <a:rPr lang="ko-KR" altLang="en-US" sz="1600" dirty="0" smtClean="0">
-                          <a:latin typeface="Noto Sans KR" panose="020B0200000000000000" pitchFamily="50" charset="-127"/>
-                          <a:ea typeface="Noto Sans KR" panose="020B0200000000000000" pitchFamily="50" charset="-127"/>
-                        </a:rPr>
                         <a:t>게임 패드용 로컬 파티 게임</a:t>
                       </a:r>
-                      <a:endParaRPr lang="ko-KR" altLang="en-US" sz="1600" dirty="0">
-                        <a:latin typeface="Noto Sans KR" panose="020B0200000000000000" pitchFamily="50" charset="-127"/>
-                        <a:ea typeface="Noto Sans KR" panose="020B0200000000000000" pitchFamily="50" charset="-127"/>
-                      </a:endParaRPr>
-                    </a:p>
-                  </a:txBody>
-                  <a:tcPr anchor="ctr"/>
-                </a:tc>
-                <a:extLst>
-                  <a:ext uri="{0D108BD9-81ED-4DB2-BD59-A6C34878D82A}">
-                    <a16:rowId xmlns:a16="http://schemas.microsoft.com/office/drawing/2014/main" val="1025450118"/>
-                  </a:ext>
-                </a:extLst>
-              </a:tr>
-              <a:tr h="370840">
-                <a:tc>
-                  <a:txBody>
-                    <a:bodyPr/>
-                    <a:lstStyle/>
-                    <a:p>
-                      <a:pPr algn="ctr" latinLnBrk="1"/>
-                      <a:endParaRPr lang="ko-KR" altLang="en-US" sz="1600" dirty="0">
-                        <a:latin typeface="Noto Sans KR" panose="020B0200000000000000" pitchFamily="50" charset="-127"/>
-                        <a:ea typeface="Noto Sans KR" panose="020B0200000000000000" pitchFamily="50" charset="-127"/>
-                      </a:endParaRPr>
-                    </a:p>
-                  </a:txBody>
-                  <a:tcPr anchor="ctr"/>
-                </a:tc>
-                <a:tc>
-                  <a:txBody>
-                    <a:bodyPr/>
-                    <a:lstStyle/>
-                    <a:p>
-                      <a:pPr algn="ctr" latinLnBrk="1"/>
-                      <a:endParaRPr lang="ko-KR" altLang="en-US" sz="1600" dirty="0">
-                        <a:latin typeface="Noto Sans KR" panose="020B0200000000000000" pitchFamily="50" charset="-127"/>
-                        <a:ea typeface="Noto Sans KR" panose="020B0200000000000000" pitchFamily="50" charset="-127"/>
-                      </a:endParaRPr>
-                    </a:p>
-                  </a:txBody>
-                  <a:tcPr anchor="ctr"/>
-                </a:tc>
-                <a:tc>
-                  <a:txBody>
-                    <a:bodyPr/>
-                    <a:lstStyle/>
-                    <a:p>
-                      <a:pPr algn="ctr" latinLnBrk="1"/>
-                      <a:endParaRPr lang="ko-KR" altLang="en-US" sz="1600" dirty="0">
-                        <a:latin typeface="Noto Sans KR" panose="020B0200000000000000" pitchFamily="50" charset="-127"/>
-                        <a:ea typeface="Noto Sans KR" panose="020B0200000000000000" pitchFamily="50" charset="-127"/>
-                      </a:endParaRPr>
-                    </a:p>
-                  </a:txBody>
-                  <a:tcPr anchor="ctr"/>
-                </a:tc>
-                <a:tc>
-                  <a:txBody>
-                    <a:bodyPr/>
-                    <a:lstStyle/>
-                    <a:p>
-                      <a:pPr algn="ctr" latinLnBrk="1"/>
                       <a:endParaRPr lang="ko-KR" altLang="en-US" sz="1600" dirty="0">
                         <a:latin typeface="Noto Sans KR" panose="020B0200000000000000" pitchFamily="50" charset="-127"/>
                         <a:ea typeface="Noto Sans KR" panose="020B0200000000000000" pitchFamily="50" charset="-127"/>
@@ -4492,6 +4639,40 @@
                     <a:lstStyle/>
                     <a:p>
                       <a:pPr algn="ctr" latinLnBrk="1"/>
+                      <a:r>
+                        <a:rPr lang="ko-KR" altLang="en-US" sz="1600" dirty="0" smtClean="0">
+                          <a:latin typeface="Noto Sans KR" panose="020B0200000000000000" pitchFamily="50" charset="-127"/>
+                          <a:ea typeface="Noto Sans KR" panose="020B0200000000000000" pitchFamily="50" charset="-127"/>
+                        </a:rPr>
+                        <a:t>인하대학교 미래인재개발원</a:t>
+                      </a:r>
+                      <a:r>
+                        <a:rPr lang="en-US" altLang="ko-KR" sz="1600" dirty="0" smtClean="0">
+                          <a:latin typeface="Noto Sans KR" panose="020B0200000000000000" pitchFamily="50" charset="-127"/>
+                          <a:ea typeface="Noto Sans KR" panose="020B0200000000000000" pitchFamily="50" charset="-127"/>
+                        </a:rPr>
+                        <a:t/>
+                      </a:r>
+                      <a:br>
+                        <a:rPr lang="en-US" altLang="ko-KR" sz="1600" dirty="0" smtClean="0">
+                          <a:latin typeface="Noto Sans KR" panose="020B0200000000000000" pitchFamily="50" charset="-127"/>
+                          <a:ea typeface="Noto Sans KR" panose="020B0200000000000000" pitchFamily="50" charset="-127"/>
+                        </a:rPr>
+                      </a:br>
+                      <a:r>
+                        <a:rPr lang="ko-KR" altLang="en-US" sz="1600" baseline="0" dirty="0" err="1" smtClean="0">
+                          <a:latin typeface="Noto Sans KR" panose="020B0200000000000000" pitchFamily="50" charset="-127"/>
+                          <a:ea typeface="Noto Sans KR" panose="020B0200000000000000" pitchFamily="50" charset="-127"/>
+                        </a:rPr>
+                        <a:t>실감형</a:t>
+                      </a:r>
+                      <a:r>
+                        <a:rPr lang="ko-KR" altLang="en-US" sz="1600" baseline="0" dirty="0" smtClean="0">
+                          <a:latin typeface="Noto Sans KR" panose="020B0200000000000000" pitchFamily="50" charset="-127"/>
+                          <a:ea typeface="Noto Sans KR" panose="020B0200000000000000" pitchFamily="50" charset="-127"/>
+                        </a:rPr>
+                        <a:t> 콘텐츠 개발</a:t>
+                      </a:r>
                       <a:endParaRPr lang="ko-KR" altLang="en-US" sz="1600" dirty="0">
                         <a:latin typeface="Noto Sans KR" panose="020B0200000000000000" pitchFamily="50" charset="-127"/>
                         <a:ea typeface="Noto Sans KR" panose="020B0200000000000000" pitchFamily="50" charset="-127"/>
@@ -4506,6 +4687,20 @@
                     <a:lstStyle/>
                     <a:p>
                       <a:pPr algn="ctr" latinLnBrk="1"/>
+                      <a:r>
+                        <a:rPr lang="en-US" altLang="ko-KR" sz="1600" dirty="0" smtClean="0">
+                          <a:latin typeface="Noto Sans KR" panose="020B0200000000000000" pitchFamily="50" charset="-127"/>
+                          <a:ea typeface="Noto Sans KR" panose="020B0200000000000000" pitchFamily="50" charset="-127"/>
+                        </a:rPr>
+                        <a:t>2024.6</a:t>
+                      </a:r>
+                      <a:r>
+                        <a:rPr lang="en-US" altLang="ko-KR" sz="1600" baseline="0" dirty="0" smtClean="0">
+                          <a:latin typeface="Noto Sans KR" panose="020B0200000000000000" pitchFamily="50" charset="-127"/>
+                          <a:ea typeface="Noto Sans KR" panose="020B0200000000000000" pitchFamily="50" charset="-127"/>
+                        </a:rPr>
+                        <a:t> ~ 2025.4</a:t>
+                      </a:r>
                       <a:endParaRPr lang="ko-KR" altLang="en-US" sz="1600" dirty="0">
                         <a:latin typeface="Noto Sans KR" panose="020B0200000000000000" pitchFamily="50" charset="-127"/>
                         <a:ea typeface="Noto Sans KR" panose="020B0200000000000000" pitchFamily="50" charset="-127"/>
